--- a/ME EN 6960_Group4_Exp3_Final.pptx
+++ b/ME EN 6960_Group4_Exp3_Final.pptx
@@ -7525,11 +7525,6 @@
               <a:rPr lang="en-US" dirty="0"/>
               <a:t>In 1914, Hopkinson introduced a technique for measuring dynamic material strength</a:t>
             </a:r>
-            <a:r>
-              <a:rPr lang="en-US" sz="1400" dirty="0"/>
-              <a:t> ]4]</a:t>
-            </a:r>
-            <a:endParaRPr lang="en-US" dirty="0"/>
           </a:p>
           <a:p>
             <a:pPr marL="1200150" lvl="2" indent="-285750">
@@ -7558,13 +7553,8 @@
             </a:pPr>
             <a:r>
               <a:rPr lang="en-US" dirty="0"/>
-              <a:t>In 1948, Davies did a critical review of this experimental technique </a:t>
-            </a:r>
-            <a:r>
-              <a:rPr lang="en-US" sz="1400" dirty="0"/>
-              <a:t>[5]</a:t>
-            </a:r>
-            <a:endParaRPr lang="en-US" dirty="0"/>
+              <a:t>In 1948, Davies did a critical review of this experimental technique</a:t>
+            </a:r>
           </a:p>
           <a:p>
             <a:pPr marL="1200150" lvl="2" indent="-285750">

--- a/ME EN 6960_Group4_Exp3_Final.pptx
+++ b/ME EN 6960_Group4_Exp3_Final.pptx
@@ -209,7 +209,7 @@
           <a:p>
             <a:fld id="{5C73A040-77B1-4F8B-AE98-78169984260A}" type="datetimeFigureOut">
               <a:rPr lang="en-US" smtClean="0"/>
-              <a:t>4/30/2018</a:t>
+              <a:t>4/30/18</a:t>
             </a:fld>
             <a:endParaRPr lang="en-US"/>
           </a:p>
@@ -775,7 +775,7 @@
           <a:p>
             <a:fld id="{863C1D4E-C5AF-4958-8175-3521F4A5BF79}" type="datetimeFigureOut">
               <a:rPr lang="en-US" smtClean="0"/>
-              <a:t>4/30/2018</a:t>
+              <a:t>4/30/18</a:t>
             </a:fld>
             <a:endParaRPr lang="en-US"/>
           </a:p>
@@ -945,7 +945,7 @@
           <a:p>
             <a:fld id="{863C1D4E-C5AF-4958-8175-3521F4A5BF79}" type="datetimeFigureOut">
               <a:rPr lang="en-US" smtClean="0"/>
-              <a:t>4/30/2018</a:t>
+              <a:t>4/30/18</a:t>
             </a:fld>
             <a:endParaRPr lang="en-US"/>
           </a:p>
@@ -1125,7 +1125,7 @@
           <a:p>
             <a:fld id="{863C1D4E-C5AF-4958-8175-3521F4A5BF79}" type="datetimeFigureOut">
               <a:rPr lang="en-US" smtClean="0"/>
-              <a:t>4/30/2018</a:t>
+              <a:t>4/30/18</a:t>
             </a:fld>
             <a:endParaRPr lang="en-US"/>
           </a:p>
@@ -1295,7 +1295,7 @@
           <a:p>
             <a:fld id="{863C1D4E-C5AF-4958-8175-3521F4A5BF79}" type="datetimeFigureOut">
               <a:rPr lang="en-US" smtClean="0"/>
-              <a:t>4/30/2018</a:t>
+              <a:t>4/30/18</a:t>
             </a:fld>
             <a:endParaRPr lang="en-US"/>
           </a:p>
@@ -1539,7 +1539,7 @@
           <a:p>
             <a:fld id="{863C1D4E-C5AF-4958-8175-3521F4A5BF79}" type="datetimeFigureOut">
               <a:rPr lang="en-US" smtClean="0"/>
-              <a:t>4/30/2018</a:t>
+              <a:t>4/30/18</a:t>
             </a:fld>
             <a:endParaRPr lang="en-US"/>
           </a:p>
@@ -1771,7 +1771,7 @@
           <a:p>
             <a:fld id="{863C1D4E-C5AF-4958-8175-3521F4A5BF79}" type="datetimeFigureOut">
               <a:rPr lang="en-US" smtClean="0"/>
-              <a:t>4/30/2018</a:t>
+              <a:t>4/30/18</a:t>
             </a:fld>
             <a:endParaRPr lang="en-US"/>
           </a:p>
@@ -2138,7 +2138,7 @@
           <a:p>
             <a:fld id="{863C1D4E-C5AF-4958-8175-3521F4A5BF79}" type="datetimeFigureOut">
               <a:rPr lang="en-US" smtClean="0"/>
-              <a:t>4/30/2018</a:t>
+              <a:t>4/30/18</a:t>
             </a:fld>
             <a:endParaRPr lang="en-US"/>
           </a:p>
@@ -2256,7 +2256,7 @@
           <a:p>
             <a:fld id="{863C1D4E-C5AF-4958-8175-3521F4A5BF79}" type="datetimeFigureOut">
               <a:rPr lang="en-US" smtClean="0"/>
-              <a:t>4/30/2018</a:t>
+              <a:t>4/30/18</a:t>
             </a:fld>
             <a:endParaRPr lang="en-US"/>
           </a:p>
@@ -2351,7 +2351,7 @@
           <a:p>
             <a:fld id="{863C1D4E-C5AF-4958-8175-3521F4A5BF79}" type="datetimeFigureOut">
               <a:rPr lang="en-US" smtClean="0"/>
-              <a:t>4/30/2018</a:t>
+              <a:t>4/30/18</a:t>
             </a:fld>
             <a:endParaRPr lang="en-US"/>
           </a:p>
@@ -2628,7 +2628,7 @@
           <a:p>
             <a:fld id="{863C1D4E-C5AF-4958-8175-3521F4A5BF79}" type="datetimeFigureOut">
               <a:rPr lang="en-US" smtClean="0"/>
-              <a:t>4/30/2018</a:t>
+              <a:t>4/30/18</a:t>
             </a:fld>
             <a:endParaRPr lang="en-US"/>
           </a:p>
@@ -2885,7 +2885,7 @@
           <a:p>
             <a:fld id="{863C1D4E-C5AF-4958-8175-3521F4A5BF79}" type="datetimeFigureOut">
               <a:rPr lang="en-US" smtClean="0"/>
-              <a:t>4/30/2018</a:t>
+              <a:t>4/30/18</a:t>
             </a:fld>
             <a:endParaRPr lang="en-US"/>
           </a:p>
@@ -3098,7 +3098,7 @@
           <a:p>
             <a:fld id="{863C1D4E-C5AF-4958-8175-3521F4A5BF79}" type="datetimeFigureOut">
               <a:rPr lang="en-US" smtClean="0"/>
-              <a:t>4/30/2018</a:t>
+              <a:t>4/30/18</a:t>
             </a:fld>
             <a:endParaRPr lang="en-US"/>
           </a:p>
@@ -7010,15 +7010,15 @@
           <a:p>
             <a:r>
               <a:rPr lang="en-US" sz="1200" dirty="0"/>
-              <a:t>* High speed imagery of concrete Brazil Disc </a:t>
-            </a:r>
-            <a:r>
-              <a:rPr lang="en-US" sz="1200" dirty="0" err="1"/>
-              <a:t>tes</a:t>
+              <a:t>* High speed imagery of concrete Brazil </a:t>
+            </a:r>
+            <a:r>
+              <a:rPr lang="en-US" sz="1200"/>
+              <a:t>Disc test </a:t>
             </a:r>
             <a:r>
               <a:rPr lang="en-US" sz="1200" dirty="0"/>
-              <a:t> from X. </a:t>
+              <a:t>from X. </a:t>
             </a:r>
             <a:r>
               <a:rPr lang="en-US" sz="1200" dirty="0" err="1"/>

--- a/ME EN 6960_Group4_Exp3_Final.pptx
+++ b/ME EN 6960_Group4_Exp3_Final.pptx
@@ -209,7 +209,7 @@
           <a:p>
             <a:fld id="{5C73A040-77B1-4F8B-AE98-78169984260A}" type="datetimeFigureOut">
               <a:rPr lang="en-US" smtClean="0"/>
-              <a:t>4/30/18</a:t>
+              <a:t>5/1/18</a:t>
             </a:fld>
             <a:endParaRPr lang="en-US"/>
           </a:p>
@@ -775,7 +775,7 @@
           <a:p>
             <a:fld id="{863C1D4E-C5AF-4958-8175-3521F4A5BF79}" type="datetimeFigureOut">
               <a:rPr lang="en-US" smtClean="0"/>
-              <a:t>4/30/18</a:t>
+              <a:t>5/1/18</a:t>
             </a:fld>
             <a:endParaRPr lang="en-US"/>
           </a:p>
@@ -945,7 +945,7 @@
           <a:p>
             <a:fld id="{863C1D4E-C5AF-4958-8175-3521F4A5BF79}" type="datetimeFigureOut">
               <a:rPr lang="en-US" smtClean="0"/>
-              <a:t>4/30/18</a:t>
+              <a:t>5/1/18</a:t>
             </a:fld>
             <a:endParaRPr lang="en-US"/>
           </a:p>
@@ -1125,7 +1125,7 @@
           <a:p>
             <a:fld id="{863C1D4E-C5AF-4958-8175-3521F4A5BF79}" type="datetimeFigureOut">
               <a:rPr lang="en-US" smtClean="0"/>
-              <a:t>4/30/18</a:t>
+              <a:t>5/1/18</a:t>
             </a:fld>
             <a:endParaRPr lang="en-US"/>
           </a:p>
@@ -1295,7 +1295,7 @@
           <a:p>
             <a:fld id="{863C1D4E-C5AF-4958-8175-3521F4A5BF79}" type="datetimeFigureOut">
               <a:rPr lang="en-US" smtClean="0"/>
-              <a:t>4/30/18</a:t>
+              <a:t>5/1/18</a:t>
             </a:fld>
             <a:endParaRPr lang="en-US"/>
           </a:p>
@@ -1539,7 +1539,7 @@
           <a:p>
             <a:fld id="{863C1D4E-C5AF-4958-8175-3521F4A5BF79}" type="datetimeFigureOut">
               <a:rPr lang="en-US" smtClean="0"/>
-              <a:t>4/30/18</a:t>
+              <a:t>5/1/18</a:t>
             </a:fld>
             <a:endParaRPr lang="en-US"/>
           </a:p>
@@ -1771,7 +1771,7 @@
           <a:p>
             <a:fld id="{863C1D4E-C5AF-4958-8175-3521F4A5BF79}" type="datetimeFigureOut">
               <a:rPr lang="en-US" smtClean="0"/>
-              <a:t>4/30/18</a:t>
+              <a:t>5/1/18</a:t>
             </a:fld>
             <a:endParaRPr lang="en-US"/>
           </a:p>
@@ -2138,7 +2138,7 @@
           <a:p>
             <a:fld id="{863C1D4E-C5AF-4958-8175-3521F4A5BF79}" type="datetimeFigureOut">
               <a:rPr lang="en-US" smtClean="0"/>
-              <a:t>4/30/18</a:t>
+              <a:t>5/1/18</a:t>
             </a:fld>
             <a:endParaRPr lang="en-US"/>
           </a:p>
@@ -2256,7 +2256,7 @@
           <a:p>
             <a:fld id="{863C1D4E-C5AF-4958-8175-3521F4A5BF79}" type="datetimeFigureOut">
               <a:rPr lang="en-US" smtClean="0"/>
-              <a:t>4/30/18</a:t>
+              <a:t>5/1/18</a:t>
             </a:fld>
             <a:endParaRPr lang="en-US"/>
           </a:p>
@@ -2351,7 +2351,7 @@
           <a:p>
             <a:fld id="{863C1D4E-C5AF-4958-8175-3521F4A5BF79}" type="datetimeFigureOut">
               <a:rPr lang="en-US" smtClean="0"/>
-              <a:t>4/30/18</a:t>
+              <a:t>5/1/18</a:t>
             </a:fld>
             <a:endParaRPr lang="en-US"/>
           </a:p>
@@ -2628,7 +2628,7 @@
           <a:p>
             <a:fld id="{863C1D4E-C5AF-4958-8175-3521F4A5BF79}" type="datetimeFigureOut">
               <a:rPr lang="en-US" smtClean="0"/>
-              <a:t>4/30/18</a:t>
+              <a:t>5/1/18</a:t>
             </a:fld>
             <a:endParaRPr lang="en-US"/>
           </a:p>
@@ -2885,7 +2885,7 @@
           <a:p>
             <a:fld id="{863C1D4E-C5AF-4958-8175-3521F4A5BF79}" type="datetimeFigureOut">
               <a:rPr lang="en-US" smtClean="0"/>
-              <a:t>4/30/18</a:t>
+              <a:t>5/1/18</a:t>
             </a:fld>
             <a:endParaRPr lang="en-US"/>
           </a:p>
@@ -3098,7 +3098,7 @@
           <a:p>
             <a:fld id="{863C1D4E-C5AF-4958-8175-3521F4A5BF79}" type="datetimeFigureOut">
               <a:rPr lang="en-US" smtClean="0"/>
-              <a:t>4/30/18</a:t>
+              <a:t>5/1/18</a:t>
             </a:fld>
             <a:endParaRPr lang="en-US"/>
           </a:p>
@@ -4911,35 +4911,6 @@
       </p:sp>
       <p:sp>
         <p:nvSpPr>
-          <p:cNvPr id="16" name="TextBox 15"/>
-          <p:cNvSpPr txBox="1"/>
-          <p:nvPr/>
-        </p:nvSpPr>
-        <p:spPr>
-          <a:xfrm>
-            <a:off x="85899" y="6099001"/>
-            <a:ext cx="1816395" cy="307777"/>
-          </a:xfrm>
-          <a:prstGeom prst="rect">
-            <a:avLst/>
-          </a:prstGeom>
-          <a:noFill/>
-        </p:spPr>
-        <p:txBody>
-          <a:bodyPr wrap="none" rtlCol="0">
-            <a:spAutoFit/>
-          </a:bodyPr>
-          <a:lstStyle/>
-          <a:p>
-            <a:r>
-              <a:rPr lang="en-US" sz="1400" dirty="0"/>
-              <a:t>[1] Reference Text Size</a:t>
-            </a:r>
-          </a:p>
-        </p:txBody>
-      </p:sp>
-      <p:sp>
-        <p:nvSpPr>
           <p:cNvPr id="17" name="TextBox 16"/>
           <p:cNvSpPr txBox="1"/>
           <p:nvPr/>
@@ -8583,7 +8554,7 @@
             </a:r>
           </a:p>
           <a:p>
-            <a:pPr marL="1200150" lvl="2" indent="-285750">
+            <a:pPr marL="1657350" lvl="3" indent="-285750">
               <a:buFont typeface="Arial" panose="020B0604020202020204" pitchFamily="34" charset="0"/>
               <a:buChar char="•"/>
             </a:pPr>
